--- a/trunk/iw3/doc/proof-combine.pptx
+++ b/trunk/iw3/doc/proof-combine.pptx
@@ -5,7 +5,7 @@
     <p:sldMasterId id="2147483648" r:id="rId1"/>
   </p:sldMasterIdLst>
   <p:notesMasterIdLst>
-    <p:notesMasterId r:id="rId7"/>
+    <p:notesMasterId r:id="rId8"/>
   </p:notesMasterIdLst>
   <p:sldIdLst>
     <p:sldId id="256" r:id="rId2"/>
@@ -13,9 +13,10 @@
     <p:sldId id="258" r:id="rId4"/>
     <p:sldId id="259" r:id="rId5"/>
     <p:sldId id="261" r:id="rId6"/>
+    <p:sldId id="262" r:id="rId7"/>
   </p:sldIdLst>
   <p:sldSz cx="9144000" cy="6858000" type="screen4x3"/>
-  <p:notesSz cx="6858000" cy="9144000"/>
+  <p:notesSz cx="7010400" cy="9296400"/>
   <p:defaultTextStyle>
     <a:defPPr>
       <a:defRPr lang="en-US"/>
@@ -149,14 +150,14 @@
         <p:spPr>
           <a:xfrm>
             <a:off x="0" y="0"/>
-            <a:ext cx="2971800" cy="457200"/>
+            <a:ext cx="3037840" cy="464820"/>
           </a:xfrm>
           <a:prstGeom prst="rect">
             <a:avLst/>
           </a:prstGeom>
         </p:spPr>
         <p:txBody>
-          <a:bodyPr vert="horz" lIns="91440" tIns="45720" rIns="91440" bIns="45720" rtlCol="0"/>
+          <a:bodyPr vert="horz" lIns="93177" tIns="46589" rIns="93177" bIns="46589" rtlCol="0"/>
           <a:lstStyle>
             <a:lvl1pPr algn="l">
               <a:defRPr sz="1200"/>
@@ -179,15 +180,15 @@
         </p:nvSpPr>
         <p:spPr>
           <a:xfrm>
-            <a:off x="3884613" y="0"/>
-            <a:ext cx="2971800" cy="457200"/>
+            <a:off x="3970938" y="0"/>
+            <a:ext cx="3037840" cy="464820"/>
           </a:xfrm>
           <a:prstGeom prst="rect">
             <a:avLst/>
           </a:prstGeom>
         </p:spPr>
         <p:txBody>
-          <a:bodyPr vert="horz" lIns="91440" tIns="45720" rIns="91440" bIns="45720" rtlCol="0"/>
+          <a:bodyPr vert="horz" lIns="93177" tIns="46589" rIns="93177" bIns="46589" rtlCol="0"/>
           <a:lstStyle>
             <a:lvl1pPr algn="r">
               <a:defRPr sz="1200"/>
@@ -197,7 +198,7 @@
             <a:fld id="{5EFCE8BF-1D26-448A-9BEE-C6FCA76E2CA9}" type="datetimeFigureOut">
               <a:rPr lang="en-US" smtClean="0"/>
               <a:pPr/>
-              <a:t>9/3/2009</a:t>
+              <a:t>9/14/2009</a:t>
             </a:fld>
             <a:endParaRPr lang="en-US"/>
           </a:p>
@@ -215,8 +216,8 @@
         </p:nvSpPr>
         <p:spPr>
           <a:xfrm>
-            <a:off x="1143000" y="685800"/>
-            <a:ext cx="4572000" cy="3429000"/>
+            <a:off x="1181100" y="696913"/>
+            <a:ext cx="4648200" cy="3486150"/>
           </a:xfrm>
           <a:prstGeom prst="rect">
             <a:avLst/>
@@ -229,7 +230,7 @@
           </a:ln>
         </p:spPr>
         <p:txBody>
-          <a:bodyPr vert="horz" lIns="91440" tIns="45720" rIns="91440" bIns="45720" rtlCol="0" anchor="ctr"/>
+          <a:bodyPr vert="horz" lIns="93177" tIns="46589" rIns="93177" bIns="46589" rtlCol="0" anchor="ctr"/>
           <a:lstStyle/>
           <a:p>
             <a:endParaRPr lang="en-US"/>
@@ -248,15 +249,15 @@
         </p:nvSpPr>
         <p:spPr>
           <a:xfrm>
-            <a:off x="685800" y="4343400"/>
-            <a:ext cx="5486400" cy="4114800"/>
+            <a:off x="701040" y="4415790"/>
+            <a:ext cx="5608320" cy="4183380"/>
           </a:xfrm>
           <a:prstGeom prst="rect">
             <a:avLst/>
           </a:prstGeom>
         </p:spPr>
         <p:txBody>
-          <a:bodyPr vert="horz" lIns="91440" tIns="45720" rIns="91440" bIns="45720" rtlCol="0">
+          <a:bodyPr vert="horz" lIns="93177" tIns="46589" rIns="93177" bIns="46589" rtlCol="0">
             <a:normAutofit/>
           </a:bodyPr>
           <a:lstStyle/>
@@ -310,15 +311,15 @@
         </p:nvSpPr>
         <p:spPr>
           <a:xfrm>
-            <a:off x="0" y="8685213"/>
-            <a:ext cx="2971800" cy="457200"/>
+            <a:off x="0" y="8829967"/>
+            <a:ext cx="3037840" cy="464820"/>
           </a:xfrm>
           <a:prstGeom prst="rect">
             <a:avLst/>
           </a:prstGeom>
         </p:spPr>
         <p:txBody>
-          <a:bodyPr vert="horz" lIns="91440" tIns="45720" rIns="91440" bIns="45720" rtlCol="0" anchor="b"/>
+          <a:bodyPr vert="horz" lIns="93177" tIns="46589" rIns="93177" bIns="46589" rtlCol="0" anchor="b"/>
           <a:lstStyle>
             <a:lvl1pPr algn="l">
               <a:defRPr sz="1200"/>
@@ -341,15 +342,15 @@
         </p:nvSpPr>
         <p:spPr>
           <a:xfrm>
-            <a:off x="3884613" y="8685213"/>
-            <a:ext cx="2971800" cy="457200"/>
+            <a:off x="3970938" y="8829967"/>
+            <a:ext cx="3037840" cy="464820"/>
           </a:xfrm>
           <a:prstGeom prst="rect">
             <a:avLst/>
           </a:prstGeom>
         </p:spPr>
         <p:txBody>
-          <a:bodyPr vert="horz" lIns="91440" tIns="45720" rIns="91440" bIns="45720" rtlCol="0" anchor="b"/>
+          <a:bodyPr vert="horz" lIns="93177" tIns="46589" rIns="93177" bIns="46589" rtlCol="0" anchor="b"/>
           <a:lstStyle>
             <a:lvl1pPr algn="r">
               <a:defRPr sz="1200"/>
@@ -738,7 +739,7 @@
             <a:fld id="{1D8BD707-D9CF-40AE-B4C6-C98DA3205C09}" type="datetimeFigureOut">
               <a:rPr lang="en-US" smtClean="0"/>
               <a:pPr/>
-              <a:t>9/3/2009</a:t>
+              <a:t>9/14/2009</a:t>
             </a:fld>
             <a:endParaRPr lang="en-US"/>
           </a:p>
@@ -905,7 +906,7 @@
             <a:fld id="{1D8BD707-D9CF-40AE-B4C6-C98DA3205C09}" type="datetimeFigureOut">
               <a:rPr lang="en-US" smtClean="0"/>
               <a:pPr/>
-              <a:t>9/3/2009</a:t>
+              <a:t>9/14/2009</a:t>
             </a:fld>
             <a:endParaRPr lang="en-US"/>
           </a:p>
@@ -1082,7 +1083,7 @@
             <a:fld id="{1D8BD707-D9CF-40AE-B4C6-C98DA3205C09}" type="datetimeFigureOut">
               <a:rPr lang="en-US" smtClean="0"/>
               <a:pPr/>
-              <a:t>9/3/2009</a:t>
+              <a:t>9/14/2009</a:t>
             </a:fld>
             <a:endParaRPr lang="en-US"/>
           </a:p>
@@ -1249,7 +1250,7 @@
             <a:fld id="{1D8BD707-D9CF-40AE-B4C6-C98DA3205C09}" type="datetimeFigureOut">
               <a:rPr lang="en-US" smtClean="0"/>
               <a:pPr/>
-              <a:t>9/3/2009</a:t>
+              <a:t>9/14/2009</a:t>
             </a:fld>
             <a:endParaRPr lang="en-US"/>
           </a:p>
@@ -1492,7 +1493,7 @@
             <a:fld id="{1D8BD707-D9CF-40AE-B4C6-C98DA3205C09}" type="datetimeFigureOut">
               <a:rPr lang="en-US" smtClean="0"/>
               <a:pPr/>
-              <a:t>9/3/2009</a:t>
+              <a:t>9/14/2009</a:t>
             </a:fld>
             <a:endParaRPr lang="en-US"/>
           </a:p>
@@ -1777,7 +1778,7 @@
             <a:fld id="{1D8BD707-D9CF-40AE-B4C6-C98DA3205C09}" type="datetimeFigureOut">
               <a:rPr lang="en-US" smtClean="0"/>
               <a:pPr/>
-              <a:t>9/3/2009</a:t>
+              <a:t>9/14/2009</a:t>
             </a:fld>
             <a:endParaRPr lang="en-US"/>
           </a:p>
@@ -2196,7 +2197,7 @@
             <a:fld id="{1D8BD707-D9CF-40AE-B4C6-C98DA3205C09}" type="datetimeFigureOut">
               <a:rPr lang="en-US" smtClean="0"/>
               <a:pPr/>
-              <a:t>9/3/2009</a:t>
+              <a:t>9/14/2009</a:t>
             </a:fld>
             <a:endParaRPr lang="en-US"/>
           </a:p>
@@ -2311,7 +2312,7 @@
             <a:fld id="{1D8BD707-D9CF-40AE-B4C6-C98DA3205C09}" type="datetimeFigureOut">
               <a:rPr lang="en-US" smtClean="0"/>
               <a:pPr/>
-              <a:t>9/3/2009</a:t>
+              <a:t>9/14/2009</a:t>
             </a:fld>
             <a:endParaRPr lang="en-US"/>
           </a:p>
@@ -2403,7 +2404,7 @@
             <a:fld id="{1D8BD707-D9CF-40AE-B4C6-C98DA3205C09}" type="datetimeFigureOut">
               <a:rPr lang="en-US" smtClean="0"/>
               <a:pPr/>
-              <a:t>9/3/2009</a:t>
+              <a:t>9/14/2009</a:t>
             </a:fld>
             <a:endParaRPr lang="en-US"/>
           </a:p>
@@ -2677,7 +2678,7 @@
             <a:fld id="{1D8BD707-D9CF-40AE-B4C6-C98DA3205C09}" type="datetimeFigureOut">
               <a:rPr lang="en-US" smtClean="0"/>
               <a:pPr/>
-              <a:t>9/3/2009</a:t>
+              <a:t>9/14/2009</a:t>
             </a:fld>
             <a:endParaRPr lang="en-US"/>
           </a:p>
@@ -2927,7 +2928,7 @@
             <a:fld id="{1D8BD707-D9CF-40AE-B4C6-C98DA3205C09}" type="datetimeFigureOut">
               <a:rPr lang="en-US" smtClean="0"/>
               <a:pPr/>
-              <a:t>9/3/2009</a:t>
+              <a:t>9/14/2009</a:t>
             </a:fld>
             <a:endParaRPr lang="en-US"/>
           </a:p>
@@ -3137,7 +3138,7 @@
             <a:fld id="{1D8BD707-D9CF-40AE-B4C6-C98DA3205C09}" type="datetimeFigureOut">
               <a:rPr lang="en-US" smtClean="0"/>
               <a:pPr/>
-              <a:t>9/3/2009</a:t>
+              <a:t>9/14/2009</a:t>
             </a:fld>
             <a:endParaRPr lang="en-US"/>
           </a:p>
@@ -6913,6 +6914,13 @@
   <p:clrMapOvr>
     <a:masterClrMapping/>
   </p:clrMapOvr>
+  <p:timing>
+    <p:tnLst>
+      <p:par>
+        <p:cTn id="1" dur="indefinite" restart="never" nodeType="tmRoot"/>
+      </p:par>
+    </p:tnLst>
+  </p:timing>
 </p:sld>
 </file>
 
@@ -7238,6 +7246,13 @@
   <p:clrMapOvr>
     <a:masterClrMapping/>
   </p:clrMapOvr>
+  <p:timing>
+    <p:tnLst>
+      <p:par>
+        <p:cTn id="1" dur="indefinite" restart="never" nodeType="tmRoot"/>
+      </p:par>
+    </p:tnLst>
+  </p:timing>
 </p:sld>
 </file>
 
@@ -11051,11 +11066,7 @@
             </a:br>
             <a:r>
               <a:rPr lang="en-US" dirty="0" smtClean="0"/>
-              <a:t>Combine </a:t>
-            </a:r>
-            <a:r>
-              <a:rPr lang="en-US" dirty="0" smtClean="0"/>
-              <a:t>&amp; Search</a:t>
+              <a:t>Combine &amp; Search</a:t>
             </a:r>
           </a:p>
         </p:txBody>
@@ -11098,6 +11109,13 @@
   <p:clrMapOvr>
     <a:masterClrMapping/>
   </p:clrMapOvr>
+  <p:timing>
+    <p:tnLst>
+      <p:par>
+        <p:cTn id="1" dur="indefinite" restart="never" nodeType="tmRoot"/>
+      </p:par>
+    </p:tnLst>
+  </p:timing>
 </p:sld>
 </file>
 
@@ -11126,7 +11144,7 @@
         </p:nvSpPr>
         <p:spPr>
           <a:xfrm>
-            <a:off x="152400" y="3657600"/>
+            <a:off x="152400" y="4419600"/>
             <a:ext cx="2514600" cy="1066800"/>
           </a:xfrm>
           <a:prstGeom prst="roundRect">
@@ -11165,7 +11183,7 @@
         </p:nvSpPr>
         <p:spPr>
           <a:xfrm>
-            <a:off x="152400" y="1447800"/>
+            <a:off x="152400" y="2209800"/>
             <a:ext cx="2514600" cy="1066800"/>
           </a:xfrm>
           <a:prstGeom prst="roundRect">
@@ -11227,7 +11245,7 @@
         </p:nvSpPr>
         <p:spPr>
           <a:xfrm>
-            <a:off x="304800" y="1600200"/>
+            <a:off x="304800" y="1219200"/>
             <a:ext cx="925896" cy="808851"/>
           </a:xfrm>
           <a:prstGeom prst="flowChartMultidocument">
@@ -11278,7 +11296,7 @@
         </p:nvSpPr>
         <p:spPr>
           <a:xfrm>
-            <a:off x="1524000" y="1600200"/>
+            <a:off x="1524000" y="1219200"/>
             <a:ext cx="925896" cy="808851"/>
           </a:xfrm>
           <a:prstGeom prst="flowChartMultidocument">
@@ -11329,8 +11347,8 @@
         </p:nvSpPr>
         <p:spPr>
           <a:xfrm>
-            <a:off x="3352800" y="2590800"/>
-            <a:ext cx="1266488" cy="808851"/>
+            <a:off x="2819400" y="1172349"/>
+            <a:ext cx="1607082" cy="808851"/>
           </a:xfrm>
           <a:prstGeom prst="flowChartMultidocument">
             <a:avLst/>
@@ -11359,8 +11377,9 @@
             <a:pPr algn="ctr"/>
             <a:r>
               <a:rPr lang="en-US" dirty="0" smtClean="0"/>
-              <a:t>mappings</a:t>
-            </a:r>
+              <a:t>Mappings-ns</a:t>
+            </a:r>
+            <a:endParaRPr lang="en-US" dirty="0" smtClean="0"/>
           </a:p>
           <a:p>
             <a:pPr algn="ctr"/>
@@ -11594,8 +11613,8 @@
         </p:nvSpPr>
         <p:spPr>
           <a:xfrm>
-            <a:off x="669039" y="2819400"/>
-            <a:ext cx="891591" cy="369332"/>
+            <a:off x="762000" y="3821668"/>
+            <a:ext cx="758606" cy="369332"/>
           </a:xfrm>
           <a:prstGeom prst="rect">
             <a:avLst/>
@@ -11625,8 +11644,8 @@
           <a:p>
             <a:pPr algn="ctr"/>
             <a:r>
-              <a:rPr lang="en-US" dirty="0" smtClean="0"/>
-              <a:t>pml2hg</a:t>
+              <a:rPr lang="en-US" dirty="0" err="1" smtClean="0"/>
+              <a:t>sparql</a:t>
             </a:r>
             <a:endParaRPr lang="en-US" dirty="0" smtClean="0"/>
           </a:p>
@@ -11640,7 +11659,7 @@
         </p:nvSpPr>
         <p:spPr>
           <a:xfrm>
-            <a:off x="304800" y="3810000"/>
+            <a:off x="304800" y="4572000"/>
             <a:ext cx="1081964" cy="802600"/>
           </a:xfrm>
           <a:prstGeom prst="flowChartDocument">
@@ -11699,7 +11718,7 @@
         </p:nvSpPr>
         <p:spPr>
           <a:xfrm>
-            <a:off x="1447800" y="3810000"/>
+            <a:off x="1447800" y="4572000"/>
             <a:ext cx="1081964" cy="802600"/>
           </a:xfrm>
           <a:prstGeom prst="flowChartDocument">
@@ -11752,14 +11771,14 @@
       </p:sp>
       <p:sp>
         <p:nvSpPr>
-          <p:cNvPr id="34" name="Rectangle 33"/>
+          <p:cNvPr id="4" name="Rectangle 3"/>
           <p:cNvSpPr/>
           <p:nvPr/>
         </p:nvSpPr>
         <p:spPr>
           <a:xfrm>
-            <a:off x="2522753" y="2819400"/>
-            <a:ext cx="601447" cy="369332"/>
+            <a:off x="2971800" y="4484132"/>
+            <a:ext cx="998670" cy="369332"/>
           </a:xfrm>
           <a:prstGeom prst="rect">
             <a:avLst/>
@@ -11790,21 +11809,21 @@
             <a:pPr algn="ctr"/>
             <a:r>
               <a:rPr lang="en-US" dirty="0" smtClean="0"/>
-              <a:t>map</a:t>
-            </a:r>
-          </a:p>
-        </p:txBody>
-      </p:sp>
-      <p:sp>
-        <p:nvSpPr>
-          <p:cNvPr id="4" name="Rectangle 3"/>
+              <a:t>combine</a:t>
+            </a:r>
+          </a:p>
+        </p:txBody>
+      </p:sp>
+      <p:sp>
+        <p:nvSpPr>
+          <p:cNvPr id="50" name="Rectangle 49"/>
           <p:cNvSpPr/>
           <p:nvPr/>
         </p:nvSpPr>
         <p:spPr>
           <a:xfrm>
-            <a:off x="2971800" y="3886200"/>
-            <a:ext cx="998670" cy="369332"/>
+            <a:off x="7280750" y="4953000"/>
+            <a:ext cx="891591" cy="369332"/>
           </a:xfrm>
           <a:prstGeom prst="rect">
             <a:avLst/>
@@ -11835,54 +11854,8 @@
             <a:pPr algn="ctr"/>
             <a:r>
               <a:rPr lang="en-US" dirty="0" smtClean="0"/>
-              <a:t>combine</a:t>
-            </a:r>
-          </a:p>
-        </p:txBody>
-      </p:sp>
-      <p:sp>
-        <p:nvSpPr>
-          <p:cNvPr id="50" name="Rectangle 49"/>
-          <p:cNvSpPr/>
-          <p:nvPr/>
-        </p:nvSpPr>
-        <p:spPr>
-          <a:xfrm>
-            <a:off x="7280750" y="4953000"/>
-            <a:ext cx="891591" cy="369332"/>
-          </a:xfrm>
-          <a:prstGeom prst="rect">
-            <a:avLst/>
-          </a:prstGeom>
-        </p:spPr>
-        <p:style>
-          <a:lnRef idx="2">
-            <a:schemeClr val="accent1">
-              <a:shade val="50000"/>
-            </a:schemeClr>
-          </a:lnRef>
-          <a:fillRef idx="1">
-            <a:schemeClr val="accent1"/>
-          </a:fillRef>
-          <a:effectRef idx="0">
-            <a:schemeClr val="accent1"/>
-          </a:effectRef>
-          <a:fontRef idx="minor">
-            <a:schemeClr val="lt1"/>
-          </a:fontRef>
-        </p:style>
-        <p:txBody>
-          <a:bodyPr wrap="none" rtlCol="0" anchor="ctr">
-            <a:spAutoFit/>
-          </a:bodyPr>
-          <a:lstStyle/>
-          <a:p>
-            <a:pPr algn="ctr"/>
-            <a:r>
-              <a:rPr lang="en-US" dirty="0" smtClean="0"/>
               <a:t>hg2pml</a:t>
             </a:r>
-            <a:endParaRPr lang="en-US" dirty="0" smtClean="0"/>
           </a:p>
         </p:txBody>
       </p:sp>
@@ -11890,133 +11863,20 @@
         <p:nvCxnSpPr>
           <p:cNvPr id="24" name="Elbow Connector 23"/>
           <p:cNvCxnSpPr>
-            <a:stCxn id="35" idx="3"/>
+            <a:stCxn id="35" idx="2"/>
             <a:endCxn id="50" idx="3"/>
-          </p:cNvCxnSpPr>
-          <p:nvPr/>
-        </p:nvCxnSpPr>
-        <p:spPr>
-          <a:xfrm>
-            <a:off x="2667000" y="1981200"/>
-            <a:ext cx="5505341" cy="3156466"/>
-          </a:xfrm>
-          <a:prstGeom prst="bentConnector3">
-            <a:avLst>
-              <a:gd name="adj1" fmla="val 104152"/>
-            </a:avLst>
-          </a:prstGeom>
-          <a:ln>
-            <a:tailEnd type="arrow"/>
-          </a:ln>
-        </p:spPr>
-        <p:style>
-          <a:lnRef idx="1">
-            <a:schemeClr val="accent1"/>
-          </a:lnRef>
-          <a:fillRef idx="0">
-            <a:schemeClr val="accent1"/>
-          </a:fillRef>
-          <a:effectRef idx="0">
-            <a:schemeClr val="accent1"/>
-          </a:effectRef>
-          <a:fontRef idx="minor">
-            <a:schemeClr val="tx1"/>
-          </a:fontRef>
-        </p:style>
-      </p:cxnSp>
-      <p:cxnSp>
-        <p:nvCxnSpPr>
-          <p:cNvPr id="27" name="Elbow Connector 26"/>
-          <p:cNvCxnSpPr>
-            <a:stCxn id="35" idx="2"/>
-            <a:endCxn id="34" idx="0"/>
           </p:cNvCxnSpPr>
           <p:nvPr/>
         </p:nvCxnSpPr>
         <p:spPr>
           <a:xfrm rot="16200000" flipH="1">
-            <a:off x="1964188" y="1960111"/>
-            <a:ext cx="304800" cy="1413777"/>
-          </a:xfrm>
-          <a:prstGeom prst="bentConnector3">
+            <a:off x="3860487" y="825812"/>
+            <a:ext cx="1861066" cy="6762641"/>
+          </a:xfrm>
+          <a:prstGeom prst="bentConnector4">
             <a:avLst>
-              <a:gd name="adj1" fmla="val 50000"/>
-            </a:avLst>
-          </a:prstGeom>
-          <a:ln>
-            <a:tailEnd type="arrow"/>
-          </a:ln>
-        </p:spPr>
-        <p:style>
-          <a:lnRef idx="1">
-            <a:schemeClr val="accent1"/>
-          </a:lnRef>
-          <a:fillRef idx="0">
-            <a:schemeClr val="accent1"/>
-          </a:fillRef>
-          <a:effectRef idx="0">
-            <a:schemeClr val="accent1"/>
-          </a:effectRef>
-          <a:fontRef idx="minor">
-            <a:schemeClr val="tx1"/>
-          </a:fontRef>
-        </p:style>
-      </p:cxnSp>
-      <p:cxnSp>
-        <p:nvCxnSpPr>
-          <p:cNvPr id="29" name="Elbow Connector 28"/>
-          <p:cNvCxnSpPr>
-            <a:stCxn id="34" idx="3"/>
-            <a:endCxn id="8" idx="1"/>
-          </p:cNvCxnSpPr>
-          <p:nvPr/>
-        </p:nvCxnSpPr>
-        <p:spPr>
-          <a:xfrm flipV="1">
-            <a:off x="3124200" y="2995226"/>
-            <a:ext cx="228600" cy="8840"/>
-          </a:xfrm>
-          <a:prstGeom prst="bentConnector3">
-            <a:avLst>
-              <a:gd name="adj1" fmla="val 50000"/>
-            </a:avLst>
-          </a:prstGeom>
-          <a:ln>
-            <a:tailEnd type="arrow"/>
-          </a:ln>
-        </p:spPr>
-        <p:style>
-          <a:lnRef idx="1">
-            <a:schemeClr val="accent1"/>
-          </a:lnRef>
-          <a:fillRef idx="0">
-            <a:schemeClr val="accent1"/>
-          </a:fillRef>
-          <a:effectRef idx="0">
-            <a:schemeClr val="accent1"/>
-          </a:effectRef>
-          <a:fontRef idx="minor">
-            <a:schemeClr val="tx1"/>
-          </a:fontRef>
-        </p:style>
-      </p:cxnSp>
-      <p:cxnSp>
-        <p:nvCxnSpPr>
-          <p:cNvPr id="31" name="Elbow Connector 30"/>
-          <p:cNvCxnSpPr>
-            <a:stCxn id="35" idx="2"/>
-            <a:endCxn id="26" idx="0"/>
-          </p:cNvCxnSpPr>
-          <p:nvPr/>
-        </p:nvCxnSpPr>
-        <p:spPr>
-          <a:xfrm rot="5400000">
-            <a:off x="1109868" y="2519568"/>
-            <a:ext cx="304800" cy="294865"/>
-          </a:xfrm>
-          <a:prstGeom prst="bentConnector3">
-            <a:avLst>
-              <a:gd name="adj1" fmla="val 50000"/>
+              <a:gd name="adj1" fmla="val 11177"/>
+              <a:gd name="adj2" fmla="val 103380"/>
             </a:avLst>
           </a:prstGeom>
           <a:ln>
@@ -12049,8 +11909,8 @@
         </p:nvCxnSpPr>
         <p:spPr>
           <a:xfrm rot="16200000" flipH="1">
-            <a:off x="1027833" y="3275733"/>
-            <a:ext cx="468868" cy="294865"/>
+            <a:off x="1161201" y="4171101"/>
+            <a:ext cx="228600" cy="268397"/>
           </a:xfrm>
           <a:prstGeom prst="bentConnector3">
             <a:avLst>
@@ -12087,8 +11947,8 @@
         </p:nvCxnSpPr>
         <p:spPr>
           <a:xfrm flipV="1">
-            <a:off x="2667000" y="4070866"/>
-            <a:ext cx="304800" cy="120134"/>
+            <a:off x="2667000" y="4668798"/>
+            <a:ext cx="304800" cy="284202"/>
           </a:xfrm>
           <a:prstGeom prst="bentConnector3">
             <a:avLst>
@@ -12124,47 +11984,9 @@
           <p:nvPr/>
         </p:nvCxnSpPr>
         <p:spPr>
-          <a:xfrm>
-            <a:off x="3970470" y="4070866"/>
-            <a:ext cx="372930" cy="99834"/>
-          </a:xfrm>
-          <a:prstGeom prst="bentConnector3">
-            <a:avLst>
-              <a:gd name="adj1" fmla="val 50000"/>
-            </a:avLst>
-          </a:prstGeom>
-          <a:ln>
-            <a:tailEnd type="arrow"/>
-          </a:ln>
-        </p:spPr>
-        <p:style>
-          <a:lnRef idx="1">
-            <a:schemeClr val="accent1"/>
-          </a:lnRef>
-          <a:fillRef idx="0">
-            <a:schemeClr val="accent1"/>
-          </a:fillRef>
-          <a:effectRef idx="0">
-            <a:schemeClr val="accent1"/>
-          </a:effectRef>
-          <a:fontRef idx="minor">
-            <a:schemeClr val="tx1"/>
-          </a:fontRef>
-        </p:style>
-      </p:cxnSp>
-      <p:cxnSp>
-        <p:nvCxnSpPr>
-          <p:cNvPr id="47" name="Elbow Connector 46"/>
-          <p:cNvCxnSpPr>
-            <a:stCxn id="8" idx="2"/>
-            <a:endCxn id="4" idx="0"/>
-          </p:cNvCxnSpPr>
-          <p:nvPr/>
-        </p:nvCxnSpPr>
-        <p:spPr>
-          <a:xfrm rot="5400000">
-            <a:off x="3425966" y="3414190"/>
-            <a:ext cx="517180" cy="426841"/>
+          <a:xfrm flipV="1">
+            <a:off x="3970470" y="4170700"/>
+            <a:ext cx="372930" cy="498098"/>
           </a:xfrm>
           <a:prstGeom prst="bentConnector3">
             <a:avLst>
@@ -12353,12 +12175,12 @@
         </p:nvCxnSpPr>
         <p:spPr>
           <a:xfrm>
-            <a:off x="4619288" y="2995226"/>
-            <a:ext cx="3553053" cy="2142440"/>
+            <a:off x="4426482" y="1576775"/>
+            <a:ext cx="3745859" cy="3560891"/>
           </a:xfrm>
           <a:prstGeom prst="bentConnector3">
             <a:avLst>
-              <a:gd name="adj1" fmla="val 106434"/>
+              <a:gd name="adj1" fmla="val 106103"/>
             </a:avLst>
           </a:prstGeom>
           <a:ln>
@@ -12422,7 +12244,6 @@
               <a:rPr lang="en-US" sz="1200" dirty="0" smtClean="0"/>
               <a:t>read</a:t>
             </a:r>
-            <a:endParaRPr lang="en-US" sz="1200" dirty="0" smtClean="0"/>
           </a:p>
         </p:txBody>
       </p:sp>
@@ -12468,7 +12289,6 @@
               <a:rPr lang="en-US" sz="1200" dirty="0" smtClean="0"/>
               <a:t>write</a:t>
             </a:r>
-            <a:endParaRPr lang="en-US" sz="1200" dirty="0" smtClean="0"/>
           </a:p>
         </p:txBody>
       </p:sp>
@@ -12514,7 +12334,6 @@
               <a:rPr lang="en-US" dirty="0" smtClean="0"/>
               <a:t>statistics</a:t>
             </a:r>
-            <a:endParaRPr lang="en-US" dirty="0" smtClean="0"/>
           </a:p>
         </p:txBody>
       </p:sp>
@@ -12634,6 +12453,810 @@
           </a:fontRef>
         </p:style>
       </p:cxnSp>
+      <p:sp>
+        <p:nvSpPr>
+          <p:cNvPr id="41" name="Flowchart: Multidocument 40"/>
+          <p:cNvSpPr/>
+          <p:nvPr/>
+        </p:nvSpPr>
+        <p:spPr>
+          <a:xfrm>
+            <a:off x="304800" y="2391549"/>
+            <a:ext cx="925896" cy="808851"/>
+          </a:xfrm>
+          <a:prstGeom prst="flowChartMultidocument">
+            <a:avLst/>
+          </a:prstGeom>
+        </p:spPr>
+        <p:style>
+          <a:lnRef idx="2">
+            <a:schemeClr val="dk1"/>
+          </a:lnRef>
+          <a:fillRef idx="1">
+            <a:schemeClr val="lt1"/>
+          </a:fillRef>
+          <a:effectRef idx="0">
+            <a:schemeClr val="dk1"/>
+          </a:effectRef>
+          <a:fontRef idx="minor">
+            <a:schemeClr val="dk1"/>
+          </a:fontRef>
+        </p:style>
+        <p:txBody>
+          <a:bodyPr wrap="none" rtlCol="0" anchor="ctr">
+            <a:spAutoFit/>
+          </a:bodyPr>
+          <a:lstStyle/>
+          <a:p>
+            <a:pPr algn="ctr"/>
+            <a:r>
+              <a:rPr lang="en-US" dirty="0" smtClean="0"/>
+              <a:t>J1’</a:t>
+            </a:r>
+            <a:endParaRPr lang="en-US" dirty="0" smtClean="0"/>
+          </a:p>
+          <a:p>
+            <a:pPr algn="ctr"/>
+            <a:r>
+              <a:rPr lang="en-US" dirty="0" smtClean="0"/>
+              <a:t>(pml2)</a:t>
+            </a:r>
+            <a:endParaRPr lang="en-US" dirty="0"/>
+          </a:p>
+        </p:txBody>
+      </p:sp>
+      <p:sp>
+        <p:nvSpPr>
+          <p:cNvPr id="43" name="Flowchart: Multidocument 42"/>
+          <p:cNvSpPr/>
+          <p:nvPr/>
+        </p:nvSpPr>
+        <p:spPr>
+          <a:xfrm>
+            <a:off x="1524000" y="2391549"/>
+            <a:ext cx="925896" cy="808851"/>
+          </a:xfrm>
+          <a:prstGeom prst="flowChartMultidocument">
+            <a:avLst/>
+          </a:prstGeom>
+        </p:spPr>
+        <p:style>
+          <a:lnRef idx="2">
+            <a:schemeClr val="dk1"/>
+          </a:lnRef>
+          <a:fillRef idx="1">
+            <a:schemeClr val="lt1"/>
+          </a:fillRef>
+          <a:effectRef idx="0">
+            <a:schemeClr val="dk1"/>
+          </a:effectRef>
+          <a:fontRef idx="minor">
+            <a:schemeClr val="dk1"/>
+          </a:fontRef>
+        </p:style>
+        <p:txBody>
+          <a:bodyPr wrap="none" rtlCol="0" anchor="ctr">
+            <a:spAutoFit/>
+          </a:bodyPr>
+          <a:lstStyle/>
+          <a:p>
+            <a:pPr algn="ctr"/>
+            <a:r>
+              <a:rPr lang="en-US" dirty="0" smtClean="0"/>
+              <a:t>J2’</a:t>
+            </a:r>
+            <a:endParaRPr lang="en-US" dirty="0" smtClean="0"/>
+          </a:p>
+          <a:p>
+            <a:pPr algn="ctr"/>
+            <a:r>
+              <a:rPr lang="en-US" dirty="0" smtClean="0"/>
+              <a:t>(pml2)</a:t>
+            </a:r>
+            <a:endParaRPr lang="en-US" dirty="0"/>
+          </a:p>
+        </p:txBody>
+      </p:sp>
+      <p:sp>
+        <p:nvSpPr>
+          <p:cNvPr id="46" name="Rectangle 45"/>
+          <p:cNvSpPr/>
+          <p:nvPr/>
+        </p:nvSpPr>
+        <p:spPr>
+          <a:xfrm>
+            <a:off x="762000" y="1905000"/>
+            <a:ext cx="1060548" cy="369332"/>
+          </a:xfrm>
+          <a:prstGeom prst="rect">
+            <a:avLst/>
+          </a:prstGeom>
+        </p:spPr>
+        <p:style>
+          <a:lnRef idx="2">
+            <a:schemeClr val="accent1">
+              <a:shade val="50000"/>
+            </a:schemeClr>
+          </a:lnRef>
+          <a:fillRef idx="1">
+            <a:schemeClr val="accent1"/>
+          </a:fillRef>
+          <a:effectRef idx="0">
+            <a:schemeClr val="accent1"/>
+          </a:effectRef>
+          <a:fontRef idx="minor">
+            <a:schemeClr val="lt1"/>
+          </a:fontRef>
+        </p:style>
+        <p:txBody>
+          <a:bodyPr wrap="none" rtlCol="0" anchor="ctr">
+            <a:spAutoFit/>
+          </a:bodyPr>
+          <a:lstStyle/>
+          <a:p>
+            <a:pPr algn="ctr"/>
+            <a:r>
+              <a:rPr lang="en-US" dirty="0" smtClean="0"/>
+              <a:t>sign, </a:t>
+            </a:r>
+            <a:r>
+              <a:rPr lang="en-US" dirty="0" err="1" smtClean="0"/>
+              <a:t>dlist</a:t>
+            </a:r>
+            <a:endParaRPr lang="en-US" dirty="0" smtClean="0"/>
+          </a:p>
+        </p:txBody>
+      </p:sp>
+      <p:sp>
+        <p:nvSpPr>
+          <p:cNvPr id="65" name="Flowchart: Multidocument 64"/>
+          <p:cNvSpPr/>
+          <p:nvPr/>
+        </p:nvSpPr>
+        <p:spPr>
+          <a:xfrm>
+            <a:off x="4114800" y="2514600"/>
+            <a:ext cx="1423829" cy="808851"/>
+          </a:xfrm>
+          <a:prstGeom prst="flowChartMultidocument">
+            <a:avLst/>
+          </a:prstGeom>
+        </p:spPr>
+        <p:style>
+          <a:lnRef idx="2">
+            <a:schemeClr val="dk1"/>
+          </a:lnRef>
+          <a:fillRef idx="1">
+            <a:schemeClr val="lt1"/>
+          </a:fillRef>
+          <a:effectRef idx="0">
+            <a:schemeClr val="dk1"/>
+          </a:effectRef>
+          <a:fontRef idx="minor">
+            <a:schemeClr val="dk1"/>
+          </a:fontRef>
+        </p:style>
+        <p:txBody>
+          <a:bodyPr wrap="none" rtlCol="0" anchor="ctr">
+            <a:spAutoFit/>
+          </a:bodyPr>
+          <a:lstStyle/>
+          <a:p>
+            <a:pPr algn="ctr"/>
+            <a:r>
+              <a:rPr lang="en-US" dirty="0" smtClean="0"/>
+              <a:t>Mappings-</a:t>
+            </a:r>
+            <a:r>
+              <a:rPr lang="en-US" dirty="0" err="1" smtClean="0"/>
+              <a:t>i</a:t>
+            </a:r>
+            <a:endParaRPr lang="en-US" dirty="0" smtClean="0"/>
+          </a:p>
+          <a:p>
+            <a:pPr algn="ctr"/>
+            <a:r>
+              <a:rPr lang="en-US" dirty="0" smtClean="0"/>
+              <a:t>(owl)</a:t>
+            </a:r>
+            <a:endParaRPr lang="en-US" dirty="0"/>
+          </a:p>
+        </p:txBody>
+      </p:sp>
+      <p:cxnSp>
+        <p:nvCxnSpPr>
+          <p:cNvPr id="79" name="Elbow Connector 78"/>
+          <p:cNvCxnSpPr>
+            <a:stCxn id="35" idx="3"/>
+            <a:endCxn id="81" idx="1"/>
+          </p:cNvCxnSpPr>
+          <p:nvPr/>
+        </p:nvCxnSpPr>
+        <p:spPr>
+          <a:xfrm flipV="1">
+            <a:off x="2667000" y="2558534"/>
+            <a:ext cx="384394" cy="184666"/>
+          </a:xfrm>
+          <a:prstGeom prst="bentConnector3">
+            <a:avLst>
+              <a:gd name="adj1" fmla="val 50000"/>
+            </a:avLst>
+          </a:prstGeom>
+          <a:ln>
+            <a:tailEnd type="arrow"/>
+          </a:ln>
+        </p:spPr>
+        <p:style>
+          <a:lnRef idx="1">
+            <a:schemeClr val="accent1"/>
+          </a:lnRef>
+          <a:fillRef idx="0">
+            <a:schemeClr val="accent1"/>
+          </a:fillRef>
+          <a:effectRef idx="0">
+            <a:schemeClr val="accent1"/>
+          </a:effectRef>
+          <a:fontRef idx="minor">
+            <a:schemeClr val="tx1"/>
+          </a:fontRef>
+        </p:style>
+      </p:cxnSp>
+      <p:sp>
+        <p:nvSpPr>
+          <p:cNvPr id="81" name="Rectangle 80"/>
+          <p:cNvSpPr/>
+          <p:nvPr/>
+        </p:nvSpPr>
+        <p:spPr>
+          <a:xfrm>
+            <a:off x="3051394" y="2373868"/>
+            <a:ext cx="758606" cy="369332"/>
+          </a:xfrm>
+          <a:prstGeom prst="rect">
+            <a:avLst/>
+          </a:prstGeom>
+        </p:spPr>
+        <p:style>
+          <a:lnRef idx="2">
+            <a:schemeClr val="accent1">
+              <a:shade val="50000"/>
+            </a:schemeClr>
+          </a:lnRef>
+          <a:fillRef idx="1">
+            <a:schemeClr val="accent1"/>
+          </a:fillRef>
+          <a:effectRef idx="0">
+            <a:schemeClr val="accent1"/>
+          </a:effectRef>
+          <a:fontRef idx="minor">
+            <a:schemeClr val="lt1"/>
+          </a:fontRef>
+        </p:style>
+        <p:txBody>
+          <a:bodyPr wrap="none" rtlCol="0" anchor="ctr">
+            <a:spAutoFit/>
+          </a:bodyPr>
+          <a:lstStyle/>
+          <a:p>
+            <a:pPr algn="ctr"/>
+            <a:r>
+              <a:rPr lang="en-US" dirty="0" err="1" smtClean="0"/>
+              <a:t>sparql</a:t>
+            </a:r>
+            <a:endParaRPr lang="en-US" dirty="0" smtClean="0"/>
+          </a:p>
+        </p:txBody>
+      </p:sp>
+      <p:cxnSp>
+        <p:nvCxnSpPr>
+          <p:cNvPr id="84" name="Elbow Connector 83"/>
+          <p:cNvCxnSpPr>
+            <a:stCxn id="8" idx="2"/>
+            <a:endCxn id="81" idx="0"/>
+          </p:cNvCxnSpPr>
+          <p:nvPr/>
+        </p:nvCxnSpPr>
+        <p:spPr>
+          <a:xfrm rot="5400000">
+            <a:off x="3259294" y="2121972"/>
+            <a:ext cx="423299" cy="80492"/>
+          </a:xfrm>
+          <a:prstGeom prst="bentConnector3">
+            <a:avLst>
+              <a:gd name="adj1" fmla="val 50000"/>
+            </a:avLst>
+          </a:prstGeom>
+          <a:ln>
+            <a:tailEnd type="arrow"/>
+          </a:ln>
+        </p:spPr>
+        <p:style>
+          <a:lnRef idx="1">
+            <a:schemeClr val="accent1"/>
+          </a:lnRef>
+          <a:fillRef idx="0">
+            <a:schemeClr val="accent1"/>
+          </a:fillRef>
+          <a:effectRef idx="0">
+            <a:schemeClr val="accent1"/>
+          </a:effectRef>
+          <a:fontRef idx="minor">
+            <a:schemeClr val="tx1"/>
+          </a:fontRef>
+        </p:style>
+      </p:cxnSp>
+      <p:cxnSp>
+        <p:nvCxnSpPr>
+          <p:cNvPr id="86" name="Shape 85"/>
+          <p:cNvCxnSpPr>
+            <a:stCxn id="81" idx="3"/>
+            <a:endCxn id="65" idx="0"/>
+          </p:cNvCxnSpPr>
+          <p:nvPr/>
+        </p:nvCxnSpPr>
+        <p:spPr>
+          <a:xfrm flipV="1">
+            <a:off x="3810000" y="2514600"/>
+            <a:ext cx="1114669" cy="43934"/>
+          </a:xfrm>
+          <a:prstGeom prst="bentConnector4">
+            <a:avLst>
+              <a:gd name="adj1" fmla="val 13672"/>
+              <a:gd name="adj2" fmla="val 940652"/>
+            </a:avLst>
+          </a:prstGeom>
+          <a:ln>
+            <a:tailEnd type="arrow"/>
+          </a:ln>
+        </p:spPr>
+        <p:style>
+          <a:lnRef idx="1">
+            <a:schemeClr val="accent1"/>
+          </a:lnRef>
+          <a:fillRef idx="0">
+            <a:schemeClr val="accent1"/>
+          </a:fillRef>
+          <a:effectRef idx="0">
+            <a:schemeClr val="accent1"/>
+          </a:effectRef>
+          <a:fontRef idx="minor">
+            <a:schemeClr val="tx1"/>
+          </a:fontRef>
+        </p:style>
+      </p:cxnSp>
+      <p:cxnSp>
+        <p:nvCxnSpPr>
+          <p:cNvPr id="90" name="Elbow Connector 89"/>
+          <p:cNvCxnSpPr>
+            <a:stCxn id="65" idx="2"/>
+            <a:endCxn id="26" idx="0"/>
+          </p:cNvCxnSpPr>
+          <p:nvPr/>
+        </p:nvCxnSpPr>
+        <p:spPr>
+          <a:xfrm rot="5400000">
+            <a:off x="2670081" y="1764043"/>
+            <a:ext cx="528848" cy="3586403"/>
+          </a:xfrm>
+          <a:prstGeom prst="bentConnector3">
+            <a:avLst>
+              <a:gd name="adj1" fmla="val 50000"/>
+            </a:avLst>
+          </a:prstGeom>
+          <a:ln>
+            <a:tailEnd type="arrow"/>
+          </a:ln>
+        </p:spPr>
+        <p:style>
+          <a:lnRef idx="1">
+            <a:schemeClr val="accent1"/>
+          </a:lnRef>
+          <a:fillRef idx="0">
+            <a:schemeClr val="accent1"/>
+          </a:fillRef>
+          <a:effectRef idx="0">
+            <a:schemeClr val="accent1"/>
+          </a:effectRef>
+          <a:fontRef idx="minor">
+            <a:schemeClr val="tx1"/>
+          </a:fontRef>
+        </p:style>
+      </p:cxnSp>
+      <p:cxnSp>
+        <p:nvCxnSpPr>
+          <p:cNvPr id="92" name="Elbow Connector 91"/>
+          <p:cNvCxnSpPr>
+            <a:stCxn id="35" idx="2"/>
+            <a:endCxn id="26" idx="0"/>
+          </p:cNvCxnSpPr>
+          <p:nvPr/>
+        </p:nvCxnSpPr>
+        <p:spPr>
+          <a:xfrm rot="5400000">
+            <a:off x="1002968" y="3414936"/>
+            <a:ext cx="545068" cy="268397"/>
+          </a:xfrm>
+          <a:prstGeom prst="bentConnector3">
+            <a:avLst>
+              <a:gd name="adj1" fmla="val 50000"/>
+            </a:avLst>
+          </a:prstGeom>
+          <a:ln>
+            <a:tailEnd type="arrow"/>
+          </a:ln>
+        </p:spPr>
+        <p:style>
+          <a:lnRef idx="1">
+            <a:schemeClr val="accent1"/>
+          </a:lnRef>
+          <a:fillRef idx="0">
+            <a:schemeClr val="accent1"/>
+          </a:fillRef>
+          <a:effectRef idx="0">
+            <a:schemeClr val="accent1"/>
+          </a:effectRef>
+          <a:fontRef idx="minor">
+            <a:schemeClr val="tx1"/>
+          </a:fontRef>
+        </p:style>
+      </p:cxnSp>
+      <p:cxnSp>
+        <p:nvCxnSpPr>
+          <p:cNvPr id="95" name="Elbow Connector 94"/>
+          <p:cNvCxnSpPr>
+            <a:stCxn id="65" idx="3"/>
+            <a:endCxn id="50" idx="3"/>
+          </p:cNvCxnSpPr>
+          <p:nvPr/>
+        </p:nvCxnSpPr>
+        <p:spPr>
+          <a:xfrm>
+            <a:off x="5538629" y="2919026"/>
+            <a:ext cx="2633712" cy="2218640"/>
+          </a:xfrm>
+          <a:prstGeom prst="bentConnector3">
+            <a:avLst>
+              <a:gd name="adj1" fmla="val 108680"/>
+            </a:avLst>
+          </a:prstGeom>
+          <a:ln>
+            <a:tailEnd type="arrow"/>
+          </a:ln>
+        </p:spPr>
+        <p:style>
+          <a:lnRef idx="1">
+            <a:schemeClr val="accent1"/>
+          </a:lnRef>
+          <a:fillRef idx="0">
+            <a:schemeClr val="accent1"/>
+          </a:fillRef>
+          <a:effectRef idx="0">
+            <a:schemeClr val="accent1"/>
+          </a:effectRef>
+          <a:fontRef idx="minor">
+            <a:schemeClr val="tx1"/>
+          </a:fontRef>
+        </p:style>
+      </p:cxnSp>
+      <p:sp>
+        <p:nvSpPr>
+          <p:cNvPr id="96" name="Flowchart: Document 95"/>
+          <p:cNvSpPr/>
+          <p:nvPr/>
+        </p:nvSpPr>
+        <p:spPr>
+          <a:xfrm>
+            <a:off x="5715000" y="1752600"/>
+            <a:ext cx="2122377" cy="802600"/>
+          </a:xfrm>
+          <a:prstGeom prst="flowChartDocument">
+            <a:avLst/>
+          </a:prstGeom>
+        </p:spPr>
+        <p:style>
+          <a:lnRef idx="2">
+            <a:schemeClr val="dk1">
+              <a:shade val="50000"/>
+            </a:schemeClr>
+          </a:lnRef>
+          <a:fillRef idx="1">
+            <a:schemeClr val="dk1"/>
+          </a:fillRef>
+          <a:effectRef idx="0">
+            <a:schemeClr val="dk1"/>
+          </a:effectRef>
+          <a:fontRef idx="minor">
+            <a:schemeClr val="lt1"/>
+          </a:fontRef>
+        </p:style>
+        <p:txBody>
+          <a:bodyPr wrap="none" rtlCol="0" anchor="ctr">
+            <a:spAutoFit/>
+          </a:bodyPr>
+          <a:lstStyle/>
+          <a:p>
+            <a:pPr algn="ctr"/>
+            <a:r>
+              <a:rPr lang="en-US" dirty="0" smtClean="0"/>
+              <a:t>Mappings-I-combine</a:t>
+            </a:r>
+            <a:endParaRPr lang="en-US" dirty="0" smtClean="0"/>
+          </a:p>
+          <a:p>
+            <a:pPr algn="ctr"/>
+            <a:r>
+              <a:rPr lang="en-US" dirty="0" smtClean="0"/>
+              <a:t>(owl)</a:t>
+            </a:r>
+            <a:endParaRPr lang="en-US" dirty="0"/>
+          </a:p>
+        </p:txBody>
+      </p:sp>
+      <p:sp>
+        <p:nvSpPr>
+          <p:cNvPr id="100" name="Rectangle 99"/>
+          <p:cNvSpPr/>
+          <p:nvPr/>
+        </p:nvSpPr>
+        <p:spPr>
+          <a:xfrm>
+            <a:off x="533400" y="5879068"/>
+            <a:ext cx="433132" cy="369332"/>
+          </a:xfrm>
+          <a:prstGeom prst="rect">
+            <a:avLst/>
+          </a:prstGeom>
+        </p:spPr>
+        <p:style>
+          <a:lnRef idx="2">
+            <a:schemeClr val="accent1">
+              <a:shade val="50000"/>
+            </a:schemeClr>
+          </a:lnRef>
+          <a:fillRef idx="1">
+            <a:schemeClr val="accent1"/>
+          </a:fillRef>
+          <a:effectRef idx="0">
+            <a:schemeClr val="accent1"/>
+          </a:effectRef>
+          <a:fontRef idx="minor">
+            <a:schemeClr val="lt1"/>
+          </a:fontRef>
+        </p:style>
+        <p:txBody>
+          <a:bodyPr wrap="none" rtlCol="0" anchor="ctr">
+            <a:spAutoFit/>
+          </a:bodyPr>
+          <a:lstStyle/>
+          <a:p>
+            <a:pPr algn="ctr"/>
+            <a:r>
+              <a:rPr lang="en-US" dirty="0" err="1" smtClean="0"/>
+              <a:t>viz</a:t>
+            </a:r>
+            <a:endParaRPr lang="en-US" dirty="0" smtClean="0"/>
+          </a:p>
+        </p:txBody>
+      </p:sp>
+      <p:cxnSp>
+        <p:nvCxnSpPr>
+          <p:cNvPr id="102" name="Elbow Connector 101"/>
+          <p:cNvCxnSpPr>
+            <a:stCxn id="32" idx="2"/>
+            <a:endCxn id="100" idx="0"/>
+          </p:cNvCxnSpPr>
+          <p:nvPr/>
+        </p:nvCxnSpPr>
+        <p:spPr>
+          <a:xfrm rot="5400000">
+            <a:off x="519110" y="5552395"/>
+            <a:ext cx="557529" cy="95816"/>
+          </a:xfrm>
+          <a:prstGeom prst="bentConnector3">
+            <a:avLst>
+              <a:gd name="adj1" fmla="val 50000"/>
+            </a:avLst>
+          </a:prstGeom>
+          <a:ln>
+            <a:tailEnd type="arrow"/>
+          </a:ln>
+        </p:spPr>
+        <p:style>
+          <a:lnRef idx="1">
+            <a:schemeClr val="accent1"/>
+          </a:lnRef>
+          <a:fillRef idx="0">
+            <a:schemeClr val="accent1"/>
+          </a:fillRef>
+          <a:effectRef idx="0">
+            <a:schemeClr val="accent1"/>
+          </a:effectRef>
+          <a:fontRef idx="minor">
+            <a:schemeClr val="tx1"/>
+          </a:fontRef>
+        </p:style>
+      </p:cxnSp>
+    </p:spTree>
+  </p:cSld>
+  <p:clrMapOvr>
+    <a:masterClrMapping/>
+  </p:clrMapOvr>
+  <p:timing>
+    <p:tnLst>
+      <p:par>
+        <p:cTn id="1" dur="indefinite" restart="never" nodeType="tmRoot"/>
+      </p:par>
+    </p:tnLst>
+  </p:timing>
+</p:sld>
+</file>
+
+<file path=ppt/slides/slide6.xml><?xml version="1.0" encoding="utf-8"?>
+<p:sld xmlns:a="http://schemas.openxmlformats.org/drawingml/2006/main" xmlns:r="http://schemas.openxmlformats.org/officeDocument/2006/relationships" xmlns:p="http://schemas.openxmlformats.org/presentationml/2006/main">
+  <p:cSld>
+    <p:spTree>
+      <p:nvGrpSpPr>
+        <p:cNvPr id="1" name=""/>
+        <p:cNvGrpSpPr/>
+        <p:nvPr/>
+      </p:nvGrpSpPr>
+      <p:grpSpPr>
+        <a:xfrm>
+          <a:off x="0" y="0"/>
+          <a:ext cx="0" cy="0"/>
+          <a:chOff x="0" y="0"/>
+          <a:chExt cx="0" cy="0"/>
+        </a:xfrm>
+      </p:grpSpPr>
+      <p:sp>
+        <p:nvSpPr>
+          <p:cNvPr id="2" name="Title 1"/>
+          <p:cNvSpPr>
+            <a:spLocks noGrp="1"/>
+          </p:cNvSpPr>
+          <p:nvPr>
+            <p:ph type="title"/>
+          </p:nvPr>
+        </p:nvSpPr>
+        <p:spPr/>
+        <p:txBody>
+          <a:bodyPr/>
+          <a:lstStyle/>
+          <a:p>
+            <a:endParaRPr lang="en-US"/>
+          </a:p>
+        </p:txBody>
+      </p:sp>
+      <p:sp>
+        <p:nvSpPr>
+          <p:cNvPr id="3" name="Content Placeholder 2"/>
+          <p:cNvSpPr>
+            <a:spLocks noGrp="1"/>
+          </p:cNvSpPr>
+          <p:nvPr>
+            <p:ph idx="1"/>
+          </p:nvPr>
+        </p:nvSpPr>
+        <p:spPr/>
+        <p:txBody>
+          <a:bodyPr>
+            <a:normAutofit fontScale="92500" lnSpcReduction="10000"/>
+          </a:bodyPr>
+          <a:lstStyle/>
+          <a:p>
+            <a:r>
+              <a:rPr lang="en-US" dirty="0" smtClean="0"/>
+              <a:t>[G1] Normalize original </a:t>
+            </a:r>
+            <a:r>
+              <a:rPr lang="en-US" dirty="0" err="1" smtClean="0"/>
+              <a:t>pml</a:t>
+            </a:r>
+            <a:r>
+              <a:rPr lang="en-US" dirty="0" smtClean="0"/>
+              <a:t> </a:t>
+            </a:r>
+            <a:r>
+              <a:rPr lang="en-US" dirty="0" smtClean="0"/>
+              <a:t>[</a:t>
+            </a:r>
+            <a:r>
+              <a:rPr lang="en-US" dirty="0" smtClean="0"/>
+              <a:t>tw2] </a:t>
+            </a:r>
+          </a:p>
+          <a:p>
+            <a:r>
+              <a:rPr lang="en-US" dirty="0" smtClean="0"/>
+              <a:t>[G2] Convert (normalized </a:t>
+            </a:r>
+            <a:r>
+              <a:rPr lang="en-US" dirty="0" err="1" smtClean="0"/>
+              <a:t>pml</a:t>
+            </a:r>
+            <a:r>
+              <a:rPr lang="en-US" dirty="0" smtClean="0"/>
+              <a:t>) to HG</a:t>
+            </a:r>
+          </a:p>
+          <a:p>
+            <a:r>
+              <a:rPr lang="en-US" dirty="0" smtClean="0"/>
+              <a:t>[TOP] Generate mapping-i.rdf [tw2]</a:t>
+            </a:r>
+          </a:p>
+          <a:p>
+            <a:r>
+              <a:rPr lang="en-US" dirty="0" smtClean="0"/>
+              <a:t>[G3] Convert (normalized </a:t>
+            </a:r>
+            <a:r>
+              <a:rPr lang="en-US" dirty="0" err="1" smtClean="0"/>
+              <a:t>pml</a:t>
+            </a:r>
+            <a:r>
+              <a:rPr lang="en-US" dirty="0" smtClean="0"/>
+              <a:t> + mapping-</a:t>
+            </a:r>
+            <a:r>
+              <a:rPr lang="en-US" dirty="0" err="1" smtClean="0"/>
+              <a:t>i</a:t>
+            </a:r>
+            <a:r>
+              <a:rPr lang="en-US" dirty="0" smtClean="0"/>
+              <a:t>) to HG</a:t>
+            </a:r>
+          </a:p>
+          <a:p>
+            <a:r>
+              <a:rPr lang="en-US" dirty="0" smtClean="0"/>
+              <a:t>[TOP</a:t>
+            </a:r>
+            <a:r>
+              <a:rPr lang="en-US" dirty="0" smtClean="0"/>
+              <a:t>] Aggregate HG’ into “combined.rdf”</a:t>
+            </a:r>
+          </a:p>
+          <a:p>
+            <a:r>
+              <a:rPr lang="en-US" dirty="0" smtClean="0"/>
+              <a:t>[</a:t>
+            </a:r>
+            <a:r>
+              <a:rPr lang="en-US" dirty="0" smtClean="0"/>
+              <a:t>TOP*] Search “combined.rdf” for “best.rdf” </a:t>
+            </a:r>
+          </a:p>
+          <a:p>
+            <a:r>
+              <a:rPr lang="en-US" dirty="0" smtClean="0"/>
+              <a:t>Results analysis</a:t>
+            </a:r>
+          </a:p>
+          <a:p>
+            <a:pPr lvl="1"/>
+            <a:r>
+              <a:rPr lang="en-US" dirty="0" smtClean="0"/>
+              <a:t>[G2,G3] </a:t>
+            </a:r>
+            <a:r>
+              <a:rPr lang="en-US" dirty="0" err="1" smtClean="0"/>
+              <a:t>Viz</a:t>
+            </a:r>
+            <a:endParaRPr lang="en-US" dirty="0" smtClean="0"/>
+          </a:p>
+          <a:p>
+            <a:pPr lvl="1"/>
+            <a:r>
+              <a:rPr lang="en-US" dirty="0" smtClean="0"/>
+              <a:t>Statistics (#nodes, #arc, #source, #rules-by-category)</a:t>
+            </a:r>
+          </a:p>
+          <a:p>
+            <a:endParaRPr lang="en-US" dirty="0"/>
+          </a:p>
+        </p:txBody>
+      </p:sp>
     </p:spTree>
   </p:cSld>
   <p:clrMapOvr>
